--- a/Employee_Data_Analysis_2.pptx
+++ b/Employee_Data_Analysis_2.pptx
@@ -18,8 +18,8 @@
     <p:sldId id="264" r:id="rId10"/>
     <p:sldId id="265" r:id="rId11"/>
     <p:sldId id="266" r:id="rId12"/>
-    <p:sldId id="267" r:id="rId13"/>
-    <p:sldId id="268" r:id="rId14"/>
+    <p:sldId id="268" r:id="rId13"/>
+    <p:sldId id="269" r:id="rId14"/>
   </p:sldIdLst>
   <p:sldSz type="screen16x9" cy="6858000" cx="12192000"/>
   <p:notesSz cx="12192000" cy="6858000"/>
@@ -145,7 +145,7 @@
       </p:grpSpPr>
       <p:sp>
         <p:nvSpPr>
-          <p:cNvPr id="1048705" name="Header Placeholder 1"/>
+          <p:cNvPr id="1048697" name="Header Placeholder 1"/>
           <p:cNvSpPr>
             <a:spLocks noGrp="1"/>
           </p:cNvSpPr>
@@ -174,7 +174,7 @@
       </p:sp>
       <p:sp>
         <p:nvSpPr>
-          <p:cNvPr id="1048706" name="Date Placeholder 2"/>
+          <p:cNvPr id="1048698" name="Date Placeholder 2"/>
           <p:cNvSpPr>
             <a:spLocks noGrp="1"/>
           </p:cNvSpPr>
@@ -207,7 +207,7 @@
       </p:sp>
       <p:sp>
         <p:nvSpPr>
-          <p:cNvPr id="1048707" name="Slide Image Placeholder 3"/>
+          <p:cNvPr id="1048699" name="Slide Image Placeholder 3"/>
           <p:cNvSpPr>
             <a:spLocks noChangeAspect="1" noRot="1" noGrp="1"/>
           </p:cNvSpPr>
@@ -237,7 +237,7 @@
       </p:sp>
       <p:sp>
         <p:nvSpPr>
-          <p:cNvPr id="1048708" name="Notes Placeholder 4"/>
+          <p:cNvPr id="1048700" name="Notes Placeholder 4"/>
           <p:cNvSpPr>
             <a:spLocks noGrp="1"/>
           </p:cNvSpPr>
@@ -294,7 +294,7 @@
       </p:sp>
       <p:sp>
         <p:nvSpPr>
-          <p:cNvPr id="1048709" name="Footer Placeholder 5"/>
+          <p:cNvPr id="1048701" name="Footer Placeholder 5"/>
           <p:cNvSpPr>
             <a:spLocks noGrp="1"/>
           </p:cNvSpPr>
@@ -323,7 +323,7 @@
       </p:sp>
       <p:sp>
         <p:nvSpPr>
-          <p:cNvPr id="1048710" name="Slide Number Placeholder 6"/>
+          <p:cNvPr id="1048702" name="Slide Number Placeholder 6"/>
           <p:cNvSpPr>
             <a:spLocks noGrp="1"/>
           </p:cNvSpPr>
@@ -457,7 +457,7 @@
   <p:cSld>
     <p:spTree>
       <p:nvGrpSpPr>
-        <p:cNvPr id="29" name=""/>
+        <p:cNvPr id="22" name=""/>
         <p:cNvGrpSpPr/>
         <p:nvPr/>
       </p:nvGrpSpPr>
@@ -471,7 +471,7 @@
       </p:grpSpPr>
       <p:sp>
         <p:nvSpPr>
-          <p:cNvPr id="1048627" name="Slide Image Placeholder 1"/>
+          <p:cNvPr id="1048603" name="Slide Image Placeholder 1"/>
           <p:cNvSpPr>
             <a:spLocks noChangeAspect="1" noRot="1" noGrp="1"/>
           </p:cNvSpPr>
@@ -483,7 +483,7 @@
       </p:sp>
       <p:sp>
         <p:nvSpPr>
-          <p:cNvPr id="1048628" name="Notes Placeholder 2"/>
+          <p:cNvPr id="1048604" name="Notes Placeholder 2"/>
           <p:cNvSpPr>
             <a:spLocks noGrp="1"/>
           </p:cNvSpPr>
@@ -501,7 +501,7 @@
       </p:sp>
       <p:sp>
         <p:nvSpPr>
-          <p:cNvPr id="1048629" name="Slide Number Placeholder 3"/>
+          <p:cNvPr id="1048605" name="Slide Number Placeholder 3"/>
           <p:cNvSpPr>
             <a:spLocks noGrp="1"/>
           </p:cNvSpPr>
@@ -534,7 +534,7 @@
   <p:cSld name="Title Slide">
     <p:spTree>
       <p:nvGrpSpPr>
-        <p:cNvPr id="23" name=""/>
+        <p:cNvPr id="18" name=""/>
         <p:cNvGrpSpPr/>
         <p:nvPr/>
       </p:nvGrpSpPr>
@@ -548,7 +548,7 @@
       </p:grpSpPr>
       <p:sp>
         <p:nvSpPr>
-          <p:cNvPr id="1048602" name="Holder 2"/>
+          <p:cNvPr id="1048591" name="Holder 2"/>
           <p:cNvSpPr>
             <a:spLocks noGrp="1"/>
           </p:cNvSpPr>
@@ -559,7 +559,7 @@
         <p:spPr>
           <a:xfrm>
             <a:off x="3195574" y="2067305"/>
-            <a:ext cx="5800851" cy="482600"/>
+            <a:ext cx="5800851" cy="518160"/>
           </a:xfrm>
           <a:prstGeom prst="rect"/>
         </p:spPr>
@@ -583,7 +583,7 @@
       </p:sp>
       <p:sp>
         <p:nvSpPr>
-          <p:cNvPr id="1048603" name="Holder 3"/>
+          <p:cNvPr id="1048592" name="Holder 3"/>
           <p:cNvSpPr>
             <a:spLocks noGrp="1"/>
           </p:cNvSpPr>
@@ -594,7 +594,7 @@
         <p:spPr>
           <a:xfrm>
             <a:off x="1828800" y="3840480"/>
-            <a:ext cx="8534400" cy="266700"/>
+            <a:ext cx="8534400" cy="1714500"/>
           </a:xfrm>
           <a:prstGeom prst="rect"/>
         </p:spPr>
@@ -607,7 +607,7 @@
       </p:sp>
       <p:sp>
         <p:nvSpPr>
-          <p:cNvPr id="1048604" name="Holder 4"/>
+          <p:cNvPr id="1048593" name="Holder 4"/>
           <p:cNvSpPr>
             <a:spLocks noGrp="1"/>
           </p:cNvSpPr>
@@ -634,7 +634,7 @@
       </p:sp>
       <p:sp>
         <p:nvSpPr>
-          <p:cNvPr id="1048605" name="Holder 5"/>
+          <p:cNvPr id="1048594" name="Holder 5"/>
           <p:cNvSpPr>
             <a:spLocks noGrp="1"/>
           </p:cNvSpPr>
@@ -667,7 +667,7 @@
       </p:sp>
       <p:sp>
         <p:nvSpPr>
-          <p:cNvPr id="1048606" name="Holder 6"/>
+          <p:cNvPr id="1048595" name="Holder 6"/>
           <p:cNvSpPr>
             <a:spLocks noGrp="1"/>
           </p:cNvSpPr>
@@ -733,7 +733,7 @@
       </p:grpSpPr>
       <p:sp>
         <p:nvSpPr>
-          <p:cNvPr id="1048691" name="Holder 2"/>
+          <p:cNvPr id="1048683" name="Holder 2"/>
           <p:cNvSpPr>
             <a:spLocks noGrp="1"/>
           </p:cNvSpPr>
@@ -741,12 +741,7 @@
             <p:ph type="title"/>
           </p:nvPr>
         </p:nvSpPr>
-        <p:spPr>
-          <a:xfrm>
-            <a:off x="755332" y="385444"/>
-            <a:ext cx="10681335" cy="723901"/>
-          </a:xfrm>
-        </p:spPr>
+        <p:spPr/>
         <p:txBody>
           <a:bodyPr bIns="0" lIns="0" rIns="0" tIns="0"/>
           <a:lstStyle>
@@ -765,7 +760,7 @@
       </p:sp>
       <p:sp>
         <p:nvSpPr>
-          <p:cNvPr id="1048692" name="Holder 3"/>
+          <p:cNvPr id="1048684" name="Holder 3"/>
           <p:cNvSpPr>
             <a:spLocks noGrp="1"/>
           </p:cNvSpPr>
@@ -773,12 +768,7 @@
             <p:ph type="body" idx="1"/>
           </p:nvPr>
         </p:nvSpPr>
-        <p:spPr>
-          <a:xfrm>
-            <a:off x="609600" y="1577340"/>
-            <a:ext cx="10972800" cy="266700"/>
-          </a:xfrm>
-        </p:spPr>
+        <p:spPr/>
         <p:txBody>
           <a:bodyPr bIns="0" lIns="0" rIns="0" tIns="0"/>
           <a:p/>
@@ -786,7 +776,7 @@
       </p:sp>
       <p:sp>
         <p:nvSpPr>
-          <p:cNvPr id="1048693" name="Holder 4"/>
+          <p:cNvPr id="1048685" name="Holder 4"/>
           <p:cNvSpPr>
             <a:spLocks noGrp="1"/>
           </p:cNvSpPr>
@@ -813,7 +803,7 @@
       </p:sp>
       <p:sp>
         <p:nvSpPr>
-          <p:cNvPr id="1048694" name="Holder 5"/>
+          <p:cNvPr id="1048686" name="Holder 5"/>
           <p:cNvSpPr>
             <a:spLocks noGrp="1"/>
           </p:cNvSpPr>
@@ -846,7 +836,7 @@
       </p:sp>
       <p:sp>
         <p:nvSpPr>
-          <p:cNvPr id="1048695" name="Holder 6"/>
+          <p:cNvPr id="1048687" name="Holder 6"/>
           <p:cNvSpPr>
             <a:spLocks noGrp="1"/>
           </p:cNvSpPr>
@@ -912,7 +902,7 @@
       </p:grpSpPr>
       <p:sp>
         <p:nvSpPr>
-          <p:cNvPr id="1048696" name="Holder 2"/>
+          <p:cNvPr id="1048688" name="Holder 2"/>
           <p:cNvSpPr>
             <a:spLocks noGrp="1"/>
           </p:cNvSpPr>
@@ -920,12 +910,7 @@
             <p:ph type="title"/>
           </p:nvPr>
         </p:nvSpPr>
-        <p:spPr>
-          <a:xfrm>
-            <a:off x="755332" y="385444"/>
-            <a:ext cx="10681335" cy="723901"/>
-          </a:xfrm>
-        </p:spPr>
+        <p:spPr/>
         <p:txBody>
           <a:bodyPr bIns="0" lIns="0" rIns="0" tIns="0"/>
           <a:lstStyle>
@@ -944,7 +929,7 @@
       </p:sp>
       <p:sp>
         <p:nvSpPr>
-          <p:cNvPr id="1048697" name="Holder 3"/>
+          <p:cNvPr id="1048689" name="Holder 3"/>
           <p:cNvSpPr>
             <a:spLocks noGrp="1"/>
           </p:cNvSpPr>
@@ -955,7 +940,7 @@
         <p:spPr>
           <a:xfrm>
             <a:off x="609600" y="1577340"/>
-            <a:ext cx="5303520" cy="266700"/>
+            <a:ext cx="5303520" cy="4526280"/>
           </a:xfrm>
           <a:prstGeom prst="rect"/>
         </p:spPr>
@@ -968,7 +953,7 @@
       </p:sp>
       <p:sp>
         <p:nvSpPr>
-          <p:cNvPr id="1048698" name="Holder 4"/>
+          <p:cNvPr id="1048690" name="Holder 4"/>
           <p:cNvSpPr>
             <a:spLocks noGrp="1"/>
           </p:cNvSpPr>
@@ -979,7 +964,7 @@
         <p:spPr>
           <a:xfrm>
             <a:off x="6278880" y="1577340"/>
-            <a:ext cx="5303520" cy="266700"/>
+            <a:ext cx="5303520" cy="4526280"/>
           </a:xfrm>
           <a:prstGeom prst="rect"/>
         </p:spPr>
@@ -992,7 +977,7 @@
       </p:sp>
       <p:sp>
         <p:nvSpPr>
-          <p:cNvPr id="1048699" name="Holder 5"/>
+          <p:cNvPr id="1048691" name="Holder 5"/>
           <p:cNvSpPr>
             <a:spLocks noGrp="1"/>
           </p:cNvSpPr>
@@ -1019,7 +1004,7 @@
       </p:sp>
       <p:sp>
         <p:nvSpPr>
-          <p:cNvPr id="1048700" name="Holder 6"/>
+          <p:cNvPr id="1048692" name="Holder 6"/>
           <p:cNvSpPr>
             <a:spLocks noGrp="1"/>
           </p:cNvSpPr>
@@ -1052,7 +1037,7 @@
       </p:sp>
       <p:sp>
         <p:nvSpPr>
-          <p:cNvPr id="1048701" name="Holder 7"/>
+          <p:cNvPr id="1048693" name="Holder 7"/>
           <p:cNvSpPr>
             <a:spLocks noGrp="1"/>
           </p:cNvSpPr>
@@ -1104,7 +1089,7 @@
   <p:cSld name="Title Only">
     <p:spTree>
       <p:nvGrpSpPr>
-        <p:cNvPr id="20" name=""/>
+        <p:cNvPr id="25" name=""/>
         <p:cNvGrpSpPr/>
         <p:nvPr/>
       </p:nvGrpSpPr>
@@ -1118,7 +1103,7 @@
       </p:grpSpPr>
       <p:sp>
         <p:nvSpPr>
-          <p:cNvPr id="1048591" name="Holder 2"/>
+          <p:cNvPr id="1048606" name="Holder 2"/>
           <p:cNvSpPr>
             <a:spLocks noGrp="1"/>
           </p:cNvSpPr>
@@ -1126,12 +1111,7 @@
             <p:ph type="title"/>
           </p:nvPr>
         </p:nvSpPr>
-        <p:spPr>
-          <a:xfrm>
-            <a:off x="755332" y="385444"/>
-            <a:ext cx="10681335" cy="723901"/>
-          </a:xfrm>
-        </p:spPr>
+        <p:spPr/>
         <p:txBody>
           <a:bodyPr bIns="0" lIns="0" rIns="0" tIns="0"/>
           <a:lstStyle>
@@ -1150,7 +1130,7 @@
       </p:sp>
       <p:sp>
         <p:nvSpPr>
-          <p:cNvPr id="1048592" name="Holder 3"/>
+          <p:cNvPr id="1048607" name="Holder 3"/>
           <p:cNvSpPr>
             <a:spLocks noGrp="1"/>
           </p:cNvSpPr>
@@ -1177,7 +1157,7 @@
       </p:sp>
       <p:sp>
         <p:nvSpPr>
-          <p:cNvPr id="1048593" name="Holder 4"/>
+          <p:cNvPr id="1048608" name="Holder 4"/>
           <p:cNvSpPr>
             <a:spLocks noGrp="1"/>
           </p:cNvSpPr>
@@ -1210,7 +1190,7 @@
       </p:sp>
       <p:sp>
         <p:nvSpPr>
-          <p:cNvPr id="1048594" name="Holder 5"/>
+          <p:cNvPr id="1048609" name="Holder 5"/>
           <p:cNvSpPr>
             <a:spLocks noGrp="1"/>
           </p:cNvSpPr>
@@ -1276,7 +1256,7 @@
       </p:grpSpPr>
       <p:sp>
         <p:nvSpPr>
-          <p:cNvPr id="1048702" name="Holder 2"/>
+          <p:cNvPr id="1048694" name="Holder 2"/>
           <p:cNvSpPr>
             <a:spLocks noGrp="1"/>
           </p:cNvSpPr>
@@ -1303,7 +1283,7 @@
       </p:sp>
       <p:sp>
         <p:nvSpPr>
-          <p:cNvPr id="1048703" name="Holder 3"/>
+          <p:cNvPr id="1048695" name="Holder 3"/>
           <p:cNvSpPr>
             <a:spLocks noGrp="1"/>
           </p:cNvSpPr>
@@ -1336,7 +1316,7 @@
       </p:sp>
       <p:sp>
         <p:nvSpPr>
-          <p:cNvPr id="1048704" name="Holder 4"/>
+          <p:cNvPr id="1048696" name="Holder 4"/>
           <p:cNvSpPr>
             <a:spLocks noGrp="1"/>
           </p:cNvSpPr>
@@ -1396,7 +1376,7 @@
     </p:bg>
     <p:spTree>
       <p:nvGrpSpPr>
-        <p:cNvPr id="14" name=""/>
+        <p:cNvPr id="12" name=""/>
         <p:cNvGrpSpPr/>
         <p:nvPr/>
       </p:nvGrpSpPr>
@@ -2192,7 +2172,7 @@
   <p:cSld>
     <p:spTree>
       <p:nvGrpSpPr>
-        <p:cNvPr id="26" name=""/>
+        <p:cNvPr id="19" name=""/>
         <p:cNvGrpSpPr/>
         <p:nvPr/>
       </p:nvGrpSpPr>
@@ -2206,7 +2186,7 @@
       </p:grpSpPr>
       <p:grpSp>
         <p:nvGrpSpPr>
-          <p:cNvPr id="27" name="object 2"/>
+          <p:cNvPr id="20" name="object 2"/>
           <p:cNvGrpSpPr/>
           <p:nvPr/>
         </p:nvGrpSpPr>
@@ -2220,7 +2200,7 @@
         </p:grpSpPr>
         <p:sp>
           <p:nvSpPr>
-            <p:cNvPr id="1048620" name="object 3"/>
+            <p:cNvPr id="1048596" name="object 3"/>
             <p:cNvSpPr/>
             <p:nvPr/>
           </p:nvSpPr>
@@ -2271,7 +2251,7 @@
         </p:sp>
         <p:sp>
           <p:nvSpPr>
-            <p:cNvPr id="1048621" name="object 4"/>
+            <p:cNvPr id="1048597" name="object 4"/>
             <p:cNvSpPr/>
             <p:nvPr/>
           </p:nvSpPr>
@@ -2323,7 +2303,7 @@
       </p:grpSp>
       <p:sp>
         <p:nvSpPr>
-          <p:cNvPr id="1048622" name="object 5"/>
+          <p:cNvPr id="1048598" name="object 5"/>
           <p:cNvSpPr/>
           <p:nvPr/>
         </p:nvSpPr>
@@ -2374,7 +2354,7 @@
       </p:sp>
       <p:sp>
         <p:nvSpPr>
-          <p:cNvPr id="1048623" name="object 6"/>
+          <p:cNvPr id="1048599" name="object 6"/>
           <p:cNvSpPr/>
           <p:nvPr/>
         </p:nvSpPr>
@@ -2425,7 +2405,7 @@
       </p:sp>
       <p:sp>
         <p:nvSpPr>
-          <p:cNvPr id="1048624" name="object 7"/>
+          <p:cNvPr id="1048600" name="object 7"/>
           <p:cNvSpPr txBox="1">
             <a:spLocks noGrp="1"/>
           </p:cNvSpPr>
@@ -2486,7 +2466,7 @@
       </p:sp>
       <p:pic>
         <p:nvPicPr>
-          <p:cNvPr id="2097156" name="object 9"/>
+          <p:cNvPr id="2097152" name="object 9"/>
           <p:cNvPicPr>
             <a:picLocks/>
           </p:cNvPicPr>
@@ -2508,7 +2488,7 @@
       </p:pic>
       <p:sp>
         <p:nvSpPr>
-          <p:cNvPr id="1048625" name="object 11"/>
+          <p:cNvPr id="1048601" name="object 11"/>
           <p:cNvSpPr txBox="1">
             <a:spLocks noGrp="1"/>
           </p:cNvSpPr>
@@ -2542,14 +2522,14 @@
       </p:sp>
       <p:sp>
         <p:nvSpPr>
-          <p:cNvPr id="1048626" name="TextBox 13"/>
+          <p:cNvPr id="1048704" name="TextBox 13"/>
           <p:cNvSpPr txBox="1"/>
           <p:nvPr/>
         </p:nvSpPr>
         <p:spPr>
           <a:xfrm>
-            <a:off x="1237360" y="3314150"/>
-            <a:ext cx="10481963" cy="1869441"/>
+            <a:off x="1214083" y="2006917"/>
+            <a:ext cx="10290464" cy="3025141"/>
           </a:xfrm>
           <a:prstGeom prst="rect"/>
           <a:noFill/>
@@ -2558,551 +2538,148 @@
           <a:bodyPr rtlCol="0" wrap="square">
             <a:spAutoFit/>
           </a:bodyPr>
+          <a:lstStyle>
+            <a:defPPr>
+              <a:defRPr lang="en-US"/>
+            </a:defPPr>
+            <a:lvl1pPr algn="l" defTabSz="914400" eaLnBrk="1" hangingPunct="1" latinLnBrk="0" marL="0" rtl="0">
+              <a:defRPr sz="1800" kern="1200">
+                <a:solidFill>
+                  <a:srgbClr val="000000"/>
+                </a:solidFill>
+                <a:latin typeface="+mn-lt"/>
+                <a:ea typeface="+mn-ea"/>
+                <a:cs typeface="+mn-cs"/>
+              </a:defRPr>
+            </a:lvl1pPr>
+            <a:lvl2pPr algn="l" defTabSz="914400" eaLnBrk="1" hangingPunct="1" latinLnBrk="0" marL="457200" rtl="0">
+              <a:defRPr sz="1800" kern="1200">
+                <a:solidFill>
+                  <a:srgbClr val="000000"/>
+                </a:solidFill>
+                <a:latin typeface="+mn-lt"/>
+                <a:ea typeface="+mn-ea"/>
+                <a:cs typeface="+mn-cs"/>
+              </a:defRPr>
+            </a:lvl2pPr>
+            <a:lvl3pPr algn="l" defTabSz="914400" eaLnBrk="1" hangingPunct="1" latinLnBrk="0" marL="914400" rtl="0">
+              <a:defRPr sz="1800" kern="1200">
+                <a:solidFill>
+                  <a:srgbClr val="000000"/>
+                </a:solidFill>
+                <a:latin typeface="+mn-lt"/>
+                <a:ea typeface="+mn-ea"/>
+                <a:cs typeface="+mn-cs"/>
+              </a:defRPr>
+            </a:lvl3pPr>
+            <a:lvl4pPr algn="l" defTabSz="914400" eaLnBrk="1" hangingPunct="1" latinLnBrk="0" marL="1371600" rtl="0">
+              <a:defRPr sz="1800" kern="1200">
+                <a:solidFill>
+                  <a:srgbClr val="000000"/>
+                </a:solidFill>
+                <a:latin typeface="+mn-lt"/>
+                <a:ea typeface="+mn-ea"/>
+                <a:cs typeface="+mn-cs"/>
+              </a:defRPr>
+            </a:lvl4pPr>
+            <a:lvl5pPr algn="l" defTabSz="914400" eaLnBrk="1" hangingPunct="1" latinLnBrk="0" marL="1828800" rtl="0">
+              <a:defRPr sz="1800" kern="1200">
+                <a:solidFill>
+                  <a:srgbClr val="000000"/>
+                </a:solidFill>
+                <a:latin typeface="+mn-lt"/>
+                <a:ea typeface="+mn-ea"/>
+                <a:cs typeface="+mn-cs"/>
+              </a:defRPr>
+            </a:lvl5pPr>
+            <a:lvl6pPr algn="l" defTabSz="914400" eaLnBrk="1" hangingPunct="1" latinLnBrk="0" marL="2286000" rtl="0">
+              <a:defRPr sz="1800" kern="1200">
+                <a:solidFill>
+                  <a:srgbClr val="000000"/>
+                </a:solidFill>
+                <a:latin typeface="+mn-lt"/>
+                <a:ea typeface="+mn-ea"/>
+                <a:cs typeface="+mn-cs"/>
+              </a:defRPr>
+            </a:lvl6pPr>
+            <a:lvl7pPr algn="l" defTabSz="914400" eaLnBrk="1" hangingPunct="1" latinLnBrk="0" marL="2743200" rtl="0">
+              <a:defRPr sz="1800" kern="1200">
+                <a:solidFill>
+                  <a:srgbClr val="000000"/>
+                </a:solidFill>
+                <a:latin typeface="+mn-lt"/>
+                <a:ea typeface="+mn-ea"/>
+                <a:cs typeface="+mn-cs"/>
+              </a:defRPr>
+            </a:lvl7pPr>
+            <a:lvl8pPr algn="l" defTabSz="914400" eaLnBrk="1" hangingPunct="1" latinLnBrk="0" marL="3200400" rtl="0">
+              <a:defRPr sz="1800" kern="1200">
+                <a:solidFill>
+                  <a:srgbClr val="000000"/>
+                </a:solidFill>
+                <a:latin typeface="+mn-lt"/>
+                <a:ea typeface="+mn-ea"/>
+                <a:cs typeface="+mn-cs"/>
+              </a:defRPr>
+            </a:lvl8pPr>
+            <a:lvl9pPr algn="l" defTabSz="914400" eaLnBrk="1" hangingPunct="1" latinLnBrk="0" marL="3657600" rtl="0">
+              <a:defRPr sz="1800" kern="1200">
+                <a:solidFill>
+                  <a:srgbClr val="000000"/>
+                </a:solidFill>
+                <a:latin typeface="+mn-lt"/>
+                <a:ea typeface="+mn-ea"/>
+                <a:cs typeface="+mn-cs"/>
+              </a:defRPr>
+            </a:lvl9pPr>
+          </a:lstStyle>
+          <a:p/>
+          <a:p/>
+          <a:p/>
           <a:p>
             <a:r>
-              <a:rPr sz="2400" lang="en-US"/>
-              <a:t>STUDENT NAME</a:t>
-            </a:r>
-            <a:r>
-              <a:rPr altLang="en-IN" sz="2400" lang="en-US"/>
-              <a:t> </a:t>
-            </a:r>
-            <a:r>
-              <a:rPr altLang="en-IN" sz="2400" lang="en-US"/>
-              <a:t> </a:t>
-            </a:r>
-            <a:r>
-              <a:rPr altLang="en-IN" sz="2400" lang="en-US"/>
-              <a:t>:</a:t>
-            </a:r>
-            <a:r>
-              <a:rPr altLang="en-IN" sz="2400" lang="en-US"/>
-              <a:t> </a:t>
-            </a:r>
-            <a:r>
-              <a:rPr altLang="en-IN" sz="2400" lang="en-US"/>
-              <a:t>P</a:t>
-            </a:r>
-            <a:r>
-              <a:rPr altLang="en-IN" sz="2400" lang="en-US"/>
-              <a:t>R</a:t>
-            </a:r>
-            <a:r>
-              <a:rPr altLang="en-IN" sz="2400" lang="en-US"/>
-              <a:t>A</a:t>
-            </a:r>
-            <a:r>
-              <a:rPr altLang="en-IN" sz="2400" lang="en-US"/>
-              <a:t>K</a:t>
-            </a:r>
-            <a:r>
-              <a:rPr altLang="en-IN" sz="2400" lang="en-US"/>
-              <a:t>A</a:t>
-            </a:r>
-            <a:r>
-              <a:rPr altLang="en-IN" sz="2400" lang="en-US"/>
-              <a:t>SH</a:t>
-            </a:r>
-            <a:r>
-              <a:rPr altLang="en-IN" sz="2400" lang="en-US"/>
-              <a:t>.</a:t>
-            </a:r>
-            <a:r>
-              <a:rPr altLang="en-IN" sz="2400" lang="en-US"/>
-              <a:t>D</a:t>
-            </a:r>
-            <a:endParaRPr dirty="0" sz="2400" lang="en-US"/>
+              <a:rPr altLang="en-IN" dirty="0" sz="2400" lang="en-US">
+                <a:latin typeface="Arial"/>
+              </a:rPr>
+              <a:t>STUDENT NAME  : </a:t>
+            </a:r>
+            <a:r>
+              <a:rPr altLang="en-IN" dirty="0" sz="2400" lang="en-US">
+                <a:latin typeface="Arial"/>
+              </a:rPr>
+              <a:t>SHAM.B</a:t>
+            </a:r>
+            <a:endParaRPr dirty="0" sz="2400" lang="en-IN"/>
           </a:p>
           <a:p>
             <a:r>
-              <a:rPr dirty="0" sz="2400" lang="en-US"/>
-              <a:t>REGISTER N</a:t>
-            </a:r>
-            <a:r>
               <a:rPr altLang="en-IN" dirty="0" sz="2400" lang="en-US"/>
-              <a:t>O</a:t>
-            </a:r>
-            <a:r>
-              <a:rPr altLang="en-IN" dirty="0" sz="2400" lang="en-US"/>
-              <a:t> </a:t>
-            </a:r>
-            <a:r>
-              <a:rPr altLang="en-IN" dirty="0" sz="2400" lang="en-US"/>
-              <a:t> </a:t>
-            </a:r>
-            <a:r>
-              <a:rPr altLang="en-IN" dirty="0" sz="2400" lang="en-US"/>
-              <a:t> </a:t>
-            </a:r>
-            <a:r>
-              <a:rPr altLang="en-IN" dirty="0" sz="2400" lang="en-US"/>
-              <a:t> </a:t>
-            </a:r>
-            <a:r>
-              <a:rPr altLang="en-IN" dirty="0" sz="2400" lang="en-US"/>
-              <a:t> </a:t>
-            </a:r>
-            <a:r>
-              <a:rPr altLang="en-IN" dirty="0" sz="2400" lang="en-US"/>
-              <a:t> </a:t>
-            </a:r>
-            <a:r>
-              <a:rPr altLang="en-IN" dirty="0" sz="2400" lang="en-US"/>
-              <a:t> </a:t>
-            </a:r>
-            <a:r>
-              <a:rPr altLang="en-IN" dirty="0" sz="2400" lang="en-US"/>
-              <a:t>:</a:t>
-            </a:r>
-            <a:r>
-              <a:rPr altLang="en-IN" dirty="0" sz="2400" lang="en-US"/>
-              <a:t> </a:t>
-            </a:r>
-            <a:r>
-              <a:rPr altLang="en-IN" dirty="0" sz="2400" lang="en-US"/>
-              <a:t>3</a:t>
-            </a:r>
-            <a:r>
-              <a:rPr altLang="en-IN" dirty="0" sz="2400" lang="en-US"/>
-              <a:t>1</a:t>
-            </a:r>
-            <a:r>
-              <a:rPr altLang="en-IN" dirty="0" sz="2400" lang="en-US"/>
-              <a:t>2</a:t>
-            </a:r>
-            <a:r>
-              <a:rPr altLang="en-IN" dirty="0" sz="2400" lang="en-US"/>
-              <a:t>2</a:t>
-            </a:r>
-            <a:r>
-              <a:rPr altLang="en-IN" dirty="0" sz="2400" lang="en-US"/>
-              <a:t>0</a:t>
-            </a:r>
-            <a:r>
-              <a:rPr altLang="en-IN" dirty="0" sz="2400" lang="en-US"/>
-              <a:t>4</a:t>
-            </a:r>
-            <a:r>
-              <a:rPr altLang="en-IN" dirty="0" sz="2400" lang="en-US"/>
-              <a:t>0</a:t>
-            </a:r>
-            <a:r>
-              <a:rPr altLang="en-IN" dirty="0" sz="2400" lang="en-US"/>
-              <a:t>4</a:t>
-            </a:r>
-            <a:r>
-              <a:rPr altLang="en-IN" dirty="0" sz="2400" lang="en-US"/>
-              <a:t>7</a:t>
-            </a:r>
-            <a:r>
-              <a:rPr altLang="en-IN" dirty="0" sz="2400" lang="en-US"/>
-              <a:t> </a:t>
-            </a:r>
-            <a:r>
-              <a:rPr altLang="en-IN" dirty="0" sz="2400" lang="en-US"/>
-              <a:t>(</a:t>
-            </a:r>
-            <a:r>
-              <a:rPr altLang="en-IN" dirty="0" sz="2400" lang="en-US"/>
-              <a:t>C</a:t>
-            </a:r>
-            <a:r>
-              <a:rPr altLang="en-IN" dirty="0" sz="2400" lang="en-US"/>
-              <a:t>90237267</a:t>
-            </a:r>
-            <a:r>
-              <a:rPr altLang="en-IN" dirty="0" sz="2400" lang="en-US"/>
-              <a:t>0</a:t>
-            </a:r>
-            <a:r>
-              <a:rPr altLang="en-IN" dirty="0" sz="2400" lang="en-US"/>
-              <a:t>7</a:t>
-            </a:r>
-            <a:r>
-              <a:rPr altLang="en-IN" dirty="0" sz="2400" lang="en-US"/>
-              <a:t>F</a:t>
-            </a:r>
-            <a:r>
-              <a:rPr altLang="en-IN" dirty="0" sz="2400" lang="en-US"/>
-              <a:t>7</a:t>
-            </a:r>
-            <a:r>
-              <a:rPr altLang="en-IN" dirty="0" sz="2400" lang="en-US"/>
-              <a:t>B</a:t>
-            </a:r>
-            <a:r>
-              <a:rPr altLang="en-IN" dirty="0" sz="2400" lang="en-US"/>
-              <a:t>A</a:t>
-            </a:r>
-            <a:r>
-              <a:rPr altLang="en-IN" dirty="0" sz="2400" lang="en-US"/>
-              <a:t>9</a:t>
-            </a:r>
-            <a:r>
-              <a:rPr altLang="en-IN" dirty="0" sz="2400" lang="en-US"/>
-              <a:t>0</a:t>
-            </a:r>
-            <a:r>
-              <a:rPr altLang="en-IN" dirty="0" sz="2400" lang="en-US"/>
-              <a:t>2</a:t>
-            </a:r>
-            <a:r>
-              <a:rPr altLang="en-IN" dirty="0" sz="2400" lang="en-US"/>
-              <a:t>0</a:t>
-            </a:r>
-            <a:r>
-              <a:rPr altLang="en-IN" dirty="0" sz="2400" lang="en-US"/>
-              <a:t>4</a:t>
-            </a:r>
-            <a:r>
-              <a:rPr altLang="en-IN" dirty="0" sz="2400" lang="en-US"/>
-              <a:t>A</a:t>
-            </a:r>
-            <a:r>
-              <a:rPr altLang="en-IN" dirty="0" sz="2400" lang="en-US"/>
-              <a:t>1</a:t>
-            </a:r>
-            <a:r>
-              <a:rPr altLang="en-IN" dirty="0" sz="2400" lang="en-US"/>
-              <a:t>A</a:t>
-            </a:r>
-            <a:r>
-              <a:rPr altLang="en-IN" dirty="0" sz="2400" lang="en-US"/>
-              <a:t>C</a:t>
-            </a:r>
-            <a:r>
-              <a:rPr altLang="en-IN" dirty="0" sz="2400" lang="en-US"/>
-              <a:t>B</a:t>
-            </a:r>
-            <a:r>
-              <a:rPr altLang="en-IN" dirty="0" sz="2400" lang="en-US"/>
-              <a:t>7</a:t>
-            </a:r>
-            <a:r>
-              <a:rPr altLang="en-IN" dirty="0" sz="2400" lang="en-US"/>
-              <a:t>5</a:t>
-            </a:r>
-            <a:r>
-              <a:rPr altLang="en-IN" dirty="0" sz="2400" lang="en-US"/>
-              <a:t>D</a:t>
-            </a:r>
-            <a:r>
-              <a:rPr altLang="en-IN" dirty="0" sz="2400" lang="en-US"/>
-              <a:t>D</a:t>
-            </a:r>
-            <a:r>
-              <a:rPr altLang="en-IN" dirty="0" sz="2400" lang="en-US"/>
-              <a:t>6</a:t>
-            </a:r>
-            <a:r>
-              <a:rPr altLang="en-IN" dirty="0" sz="2400" lang="en-US"/>
-              <a:t>7</a:t>
-            </a:r>
-            <a:r>
-              <a:rPr altLang="en-IN" dirty="0" sz="2400" lang="en-US"/>
-              <a:t>2</a:t>
-            </a:r>
-            <a:r>
-              <a:rPr altLang="en-IN" dirty="0" sz="2400" lang="en-US"/>
-              <a:t>)</a:t>
-            </a:r>
-            <a:endParaRPr altLang="en-US" lang="zh-CN"/>
+              <a:t>REGISTER NO       : 312204058 (5DD7C4653F01D85B4CE4649F4EB780D5)</a:t>
+            </a:r>
+            <a:endParaRPr dirty="0" sz="2400" lang="en-IN"/>
           </a:p>
           <a:p>
             <a:r>
-              <a:rPr dirty="0" sz="2400" lang="en-US"/>
-              <a:t>DEPARTMEN</a:t>
-            </a:r>
-            <a:r>
               <a:rPr altLang="en-IN" dirty="0" sz="2400" lang="en-US"/>
-              <a:t>T</a:t>
-            </a:r>
-            <a:r>
-              <a:rPr altLang="en-IN" dirty="0" sz="2400" lang="en-US"/>
-              <a:t> </a:t>
-            </a:r>
-            <a:r>
-              <a:rPr altLang="en-IN" dirty="0" sz="2400" lang="en-US"/>
-              <a:t> </a:t>
-            </a:r>
-            <a:r>
-              <a:rPr altLang="en-IN" dirty="0" sz="2400" lang="en-US"/>
-              <a:t> </a:t>
-            </a:r>
-            <a:r>
-              <a:rPr altLang="en-IN" dirty="0" sz="2400" lang="en-US"/>
-              <a:t> </a:t>
-            </a:r>
-            <a:r>
-              <a:rPr altLang="en-IN" dirty="0" sz="2400" lang="en-US"/>
-              <a:t> </a:t>
-            </a:r>
-            <a:r>
-              <a:rPr altLang="en-IN" dirty="0" sz="2400" lang="en-US"/>
-              <a:t> </a:t>
-            </a:r>
-            <a:r>
-              <a:rPr altLang="en-IN" dirty="0" sz="2400" lang="en-US"/>
-              <a:t>:</a:t>
-            </a:r>
-            <a:r>
-              <a:rPr altLang="en-IN" dirty="0" sz="2400" lang="en-US"/>
-              <a:t> </a:t>
-            </a:r>
-            <a:r>
-              <a:rPr altLang="en-IN" dirty="0" sz="2400" lang="en-US"/>
-              <a:t>B</a:t>
-            </a:r>
-            <a:r>
-              <a:rPr altLang="en-IN" dirty="0" sz="2400" lang="en-US"/>
-              <a:t>.</a:t>
-            </a:r>
-            <a:r>
-              <a:rPr altLang="en-IN" dirty="0" sz="2400" lang="en-US"/>
-              <a:t>C</a:t>
-            </a:r>
-            <a:r>
-              <a:rPr altLang="en-IN" dirty="0" sz="2400" lang="en-US"/>
-              <a:t>o</a:t>
-            </a:r>
-            <a:r>
-              <a:rPr altLang="en-IN" dirty="0" sz="2400" lang="en-US"/>
-              <a:t>m</a:t>
-            </a:r>
-            <a:r>
-              <a:rPr altLang="en-IN" dirty="0" sz="2400" lang="en-US"/>
-              <a:t> </a:t>
-            </a:r>
-            <a:r>
-              <a:rPr altLang="en-IN" dirty="0" sz="2400" lang="en-US"/>
-              <a:t>(</a:t>
-            </a:r>
-            <a:r>
-              <a:rPr altLang="en-IN" dirty="0" sz="2400" lang="en-US"/>
-              <a:t>C</a:t>
-            </a:r>
-            <a:r>
-              <a:rPr altLang="en-IN" dirty="0" sz="2400" lang="en-US"/>
-              <a:t>O</a:t>
-            </a:r>
-            <a:r>
-              <a:rPr altLang="en-IN" dirty="0" sz="2400" lang="en-US"/>
-              <a:t>M</a:t>
-            </a:r>
-            <a:r>
-              <a:rPr altLang="en-IN" dirty="0" sz="2400" lang="en-US"/>
-              <a:t>M</a:t>
-            </a:r>
-            <a:r>
-              <a:rPr altLang="en-IN" dirty="0" sz="2400" lang="en-US"/>
-              <a:t>E</a:t>
-            </a:r>
-            <a:r>
-              <a:rPr altLang="en-IN" dirty="0" sz="2400" lang="en-US"/>
-              <a:t>R</a:t>
-            </a:r>
-            <a:r>
-              <a:rPr altLang="en-IN" dirty="0" sz="2400" lang="en-US"/>
-              <a:t>CE</a:t>
-            </a:r>
-            <a:r>
-              <a:rPr altLang="en-IN" dirty="0" sz="2400" lang="en-US"/>
-              <a:t> </a:t>
-            </a:r>
-            <a:r>
-              <a:rPr altLang="en-IN" dirty="0" sz="2400" lang="en-US"/>
-              <a:t>)</a:t>
-            </a:r>
-            <a:endParaRPr altLang="en-US" lang="zh-CN"/>
+              <a:t>DEPARTMENT      : B.Com (COMMERCE )</a:t>
+            </a:r>
+            <a:endParaRPr dirty="0" sz="2400" lang="en-IN"/>
           </a:p>
           <a:p>
             <a:r>
-              <a:rPr dirty="0" sz="2400" lang="en-US"/>
-              <a:t>COLLEGE</a:t>
-            </a:r>
-            <a:r>
               <a:rPr altLang="en-IN" dirty="0" sz="2400" lang="en-US"/>
-              <a:t> </a:t>
-            </a:r>
-            <a:r>
-              <a:rPr altLang="en-IN" dirty="0" sz="2400" lang="en-US"/>
-              <a:t> </a:t>
-            </a:r>
-            <a:r>
-              <a:rPr altLang="en-IN" dirty="0" sz="2400" lang="en-US"/>
-              <a:t> </a:t>
-            </a:r>
-            <a:r>
-              <a:rPr altLang="en-IN" dirty="0" sz="2400" lang="en-US"/>
-              <a:t> </a:t>
-            </a:r>
-            <a:r>
-              <a:rPr altLang="en-IN" dirty="0" sz="2400" lang="en-US"/>
-              <a:t> </a:t>
-            </a:r>
-            <a:r>
-              <a:rPr altLang="en-IN" dirty="0" sz="2400" lang="en-US"/>
-              <a:t> </a:t>
-            </a:r>
-            <a:r>
-              <a:rPr altLang="en-IN" dirty="0" sz="2400" lang="en-US"/>
-              <a:t> </a:t>
-            </a:r>
-            <a:r>
-              <a:rPr altLang="en-IN" dirty="0" sz="2400" lang="en-US"/>
-              <a:t> </a:t>
-            </a:r>
-            <a:r>
-              <a:rPr altLang="en-IN" dirty="0" sz="2400" lang="en-US"/>
-              <a:t> </a:t>
-            </a:r>
-            <a:r>
-              <a:rPr altLang="en-IN" dirty="0" sz="2400" lang="en-US"/>
-              <a:t> </a:t>
-            </a:r>
-            <a:r>
-              <a:rPr altLang="en-IN" dirty="0" sz="2400" lang="en-US"/>
-              <a:t> </a:t>
-            </a:r>
-            <a:r>
-              <a:rPr altLang="en-IN" dirty="0" sz="2400" lang="en-US"/>
-              <a:t> </a:t>
-            </a:r>
-            <a:r>
-              <a:rPr altLang="en-IN" dirty="0" sz="2400" lang="en-US"/>
-              <a:t> </a:t>
-            </a:r>
-            <a:r>
-              <a:rPr altLang="en-IN" dirty="0" sz="2400" lang="en-US"/>
-              <a:t> </a:t>
-            </a:r>
-            <a:r>
-              <a:rPr altLang="en-IN" dirty="0" sz="2400" lang="en-US"/>
-              <a:t>:</a:t>
-            </a:r>
-            <a:r>
-              <a:rPr altLang="en-IN" dirty="0" sz="2400" lang="en-US"/>
-              <a:t> </a:t>
-            </a:r>
-            <a:r>
-              <a:rPr altLang="en-IN" dirty="0" sz="2400" lang="en-US"/>
-              <a:t>S</a:t>
-            </a:r>
-            <a:r>
-              <a:rPr altLang="en-IN" dirty="0" sz="2400" lang="en-US"/>
-              <a:t>R</a:t>
-            </a:r>
-            <a:r>
-              <a:rPr altLang="en-IN" dirty="0" sz="2400" lang="en-US"/>
-              <a:t>I</a:t>
-            </a:r>
-            <a:r>
-              <a:rPr altLang="en-IN" dirty="0" sz="2400" lang="en-US"/>
-              <a:t>R</a:t>
-            </a:r>
-            <a:r>
-              <a:rPr altLang="en-IN" dirty="0" sz="2400" lang="en-US"/>
-              <a:t>A</a:t>
-            </a:r>
-            <a:r>
-              <a:rPr altLang="en-IN" dirty="0" sz="2400" lang="en-US"/>
-              <a:t>M</a:t>
-            </a:r>
-            <a:r>
-              <a:rPr altLang="en-IN" dirty="0" sz="2400" lang="en-US"/>
-              <a:t> </a:t>
-            </a:r>
-            <a:r>
-              <a:rPr altLang="en-IN" dirty="0" sz="2400" lang="en-US"/>
-              <a:t>C</a:t>
-            </a:r>
-            <a:r>
-              <a:rPr altLang="en-IN" dirty="0" sz="2400" lang="en-US"/>
-              <a:t>O</a:t>
-            </a:r>
-            <a:r>
-              <a:rPr altLang="en-IN" dirty="0" sz="2400" lang="en-US"/>
-              <a:t>L</a:t>
-            </a:r>
-            <a:r>
-              <a:rPr altLang="en-IN" dirty="0" sz="2400" lang="en-US"/>
-              <a:t>L</a:t>
-            </a:r>
-            <a:r>
-              <a:rPr altLang="en-IN" dirty="0" sz="2400" lang="en-US"/>
-              <a:t>EGE</a:t>
-            </a:r>
-            <a:r>
-              <a:rPr altLang="en-IN" dirty="0" sz="2400" lang="en-US"/>
-              <a:t> </a:t>
-            </a:r>
-            <a:r>
-              <a:rPr altLang="en-IN" dirty="0" sz="2400" lang="en-US"/>
-              <a:t>O</a:t>
-            </a:r>
-            <a:r>
-              <a:rPr altLang="en-IN" dirty="0" sz="2400" lang="en-US"/>
-              <a:t>F</a:t>
-            </a:r>
-            <a:r>
-              <a:rPr altLang="en-IN" dirty="0" sz="2400" lang="en-US"/>
-              <a:t> </a:t>
-            </a:r>
-            <a:r>
-              <a:rPr altLang="en-IN" dirty="0" sz="2400" lang="en-US"/>
-              <a:t>A</a:t>
-            </a:r>
-            <a:r>
-              <a:rPr altLang="en-IN" dirty="0" sz="2400" lang="en-US"/>
-              <a:t>R</a:t>
-            </a:r>
-            <a:r>
-              <a:rPr altLang="en-IN" dirty="0" sz="2400" lang="en-US"/>
-              <a:t>T</a:t>
-            </a:r>
-            <a:r>
-              <a:rPr altLang="en-IN" dirty="0" sz="2400" lang="en-US"/>
-              <a:t>S</a:t>
-            </a:r>
-            <a:r>
-              <a:rPr altLang="en-IN" dirty="0" sz="2400" lang="en-US"/>
-              <a:t> </a:t>
-            </a:r>
-            <a:r>
-              <a:rPr altLang="en-IN" dirty="0" sz="2400" lang="en-US"/>
-              <a:t>&amp;</a:t>
-            </a:r>
-            <a:r>
-              <a:rPr altLang="en-IN" dirty="0" sz="2400" lang="en-US"/>
-              <a:t> </a:t>
-            </a:r>
-            <a:r>
-              <a:rPr altLang="en-IN" dirty="0" sz="2400" lang="en-US"/>
-              <a:t>S</a:t>
-            </a:r>
-            <a:r>
-              <a:rPr altLang="en-IN" dirty="0" sz="2400" lang="en-US"/>
-              <a:t>C</a:t>
-            </a:r>
-            <a:r>
-              <a:rPr altLang="en-IN" dirty="0" sz="2400" lang="en-US"/>
-              <a:t>I</a:t>
-            </a:r>
-            <a:r>
-              <a:rPr altLang="en-IN" dirty="0" sz="2400" lang="en-US"/>
-              <a:t>ENCE</a:t>
-            </a:r>
-            <a:r>
-              <a:rPr altLang="en-IN" dirty="0" sz="2400" lang="en-US"/>
-              <a:t> </a:t>
-            </a:r>
-            <a:endParaRPr altLang="en-US" lang="zh-CN"/>
+              <a:t>COLLEGE              : SRIRAM COLLEGE OF ARTS &amp; SCIENCE </a:t>
+            </a:r>
+            <a:endParaRPr dirty="0" sz="2400" lang="en-IN"/>
           </a:p>
           <a:p>
             <a:r>
-              <a:rPr dirty="0" sz="2400" lang="en-US"/>
+              <a:rPr altLang="en-IN" dirty="0" sz="2400" lang="en-US"/>
               <a:t>           </a:t>
             </a:r>
+            <a:endParaRPr dirty="0" sz="2400" lang="en-IN"/>
+          </a:p>
+          <a:p>
             <a:endParaRPr dirty="0" sz="2400" lang="en-IN"/>
           </a:p>
         </p:txBody>
@@ -3120,7 +2697,7 @@
   <p:cSld>
     <p:spTree>
       <p:nvGrpSpPr>
-        <p:cNvPr id="24" name=""/>
+        <p:cNvPr id="40" name=""/>
         <p:cNvGrpSpPr/>
         <p:nvPr/>
       </p:nvGrpSpPr>
@@ -3134,7 +2711,7 @@
       </p:grpSpPr>
       <p:sp>
         <p:nvSpPr>
-          <p:cNvPr id="1048607" name="object 5"/>
+          <p:cNvPr id="1048673" name="object 5"/>
           <p:cNvSpPr/>
           <p:nvPr/>
         </p:nvSpPr>
@@ -3179,7 +2756,7 @@
       </p:sp>
       <p:pic>
         <p:nvPicPr>
-          <p:cNvPr id="2097154" name="object 6"/>
+          <p:cNvPr id="2097166" name="object 6"/>
           <p:cNvPicPr>
             <a:picLocks/>
           </p:cNvPicPr>
@@ -3201,7 +2778,7 @@
       </p:pic>
       <p:sp>
         <p:nvSpPr>
-          <p:cNvPr id="1048608" name="object 9"/>
+          <p:cNvPr id="1048674" name="object 9"/>
           <p:cNvSpPr txBox="1"/>
           <p:nvPr/>
         </p:nvSpPr>
@@ -3244,7 +2821,7 @@
       </p:sp>
       <p:sp>
         <p:nvSpPr>
-          <p:cNvPr id="1048609" name="object 8"/>
+          <p:cNvPr id="1048675" name="object 8"/>
           <p:cNvSpPr txBox="1"/>
           <p:nvPr/>
         </p:nvSpPr>
@@ -3333,7 +2910,7 @@
       </p:sp>
       <p:sp>
         <p:nvSpPr>
-          <p:cNvPr id="1048610" name="object 3"/>
+          <p:cNvPr id="1048676" name="object 3"/>
           <p:cNvSpPr/>
           <p:nvPr/>
         </p:nvSpPr>
@@ -3378,14 +2955,14 @@
       </p:sp>
       <p:sp>
         <p:nvSpPr>
-          <p:cNvPr id="1048611" name=""/>
+          <p:cNvPr id="1048714" name=""/>
           <p:cNvSpPr txBox="1"/>
           <p:nvPr/>
         </p:nvSpPr>
         <p:spPr>
           <a:xfrm>
-            <a:off x="999388" y="1524634"/>
-            <a:ext cx="9404872" cy="5120640"/>
+            <a:off x="1076807" y="1752281"/>
+            <a:ext cx="10200410" cy="5120640"/>
           </a:xfrm>
           <a:prstGeom prst="rect"/>
         </p:spPr>
@@ -3424,7 +3001,7 @@
   <p:cSld>
     <p:spTree>
       <p:nvGrpSpPr>
-        <p:cNvPr id="22" name=""/>
+        <p:cNvPr id="41" name=""/>
         <p:cNvGrpSpPr/>
         <p:nvPr/>
       </p:nvGrpSpPr>
@@ -3438,7 +3015,7 @@
       </p:grpSpPr>
       <p:sp>
         <p:nvSpPr>
-          <p:cNvPr id="1048597" name="object 3"/>
+          <p:cNvPr id="1048677" name="object 3"/>
           <p:cNvSpPr/>
           <p:nvPr/>
         </p:nvSpPr>
@@ -3483,7 +3060,7 @@
       </p:sp>
       <p:sp>
         <p:nvSpPr>
-          <p:cNvPr id="1048598" name="object 4"/>
+          <p:cNvPr id="1048678" name="object 4"/>
           <p:cNvSpPr/>
           <p:nvPr/>
         </p:nvSpPr>
@@ -3528,7 +3105,7 @@
       </p:sp>
       <p:sp>
         <p:nvSpPr>
-          <p:cNvPr id="1048599" name="object 5"/>
+          <p:cNvPr id="1048679" name="object 5"/>
           <p:cNvSpPr/>
           <p:nvPr/>
         </p:nvSpPr>
@@ -3573,7 +3150,7 @@
       </p:sp>
       <p:pic>
         <p:nvPicPr>
-          <p:cNvPr id="2097152" name="object 6"/>
+          <p:cNvPr id="2097167" name="object 6"/>
           <p:cNvPicPr>
             <a:picLocks/>
           </p:cNvPicPr>
@@ -3595,7 +3172,7 @@
       </p:pic>
       <p:sp>
         <p:nvSpPr>
-          <p:cNvPr id="1048600" name="object 7"/>
+          <p:cNvPr id="1048680" name="object 7"/>
           <p:cNvSpPr txBox="1">
             <a:spLocks noGrp="1"/>
           </p:cNvSpPr>
@@ -3652,7 +3229,7 @@
       </p:sp>
       <p:sp>
         <p:nvSpPr>
-          <p:cNvPr id="1048601" name="object 9"/>
+          <p:cNvPr id="1048681" name="object 9"/>
           <p:cNvSpPr txBox="1"/>
           <p:nvPr/>
         </p:nvSpPr>
@@ -3695,7 +3272,7 @@
       </p:sp>
       <p:pic>
         <p:nvPicPr>
-          <p:cNvPr id="2097153" name="Content Placeholder 3"/>
+          <p:cNvPr id="2097168" name="Content Placeholder 3"/>
           <p:cNvPicPr>
             <a:picLocks/>
           </p:cNvPicPr>
@@ -3709,8 +3286,8 @@
         </p:blipFill>
         <p:spPr>
           <a:xfrm>
-            <a:off x="1736273" y="1834291"/>
-            <a:ext cx="7918508" cy="4025172"/>
+            <a:off x="509747" y="1015588"/>
+            <a:ext cx="10755624" cy="5467348"/>
           </a:xfrm>
           <a:prstGeom prst="rect"/>
         </p:spPr>
@@ -3728,7 +3305,7 @@
   <p:cSld>
     <p:spTree>
       <p:nvGrpSpPr>
-        <p:cNvPr id="21" name=""/>
+        <p:cNvPr id="42" name=""/>
         <p:cNvGrpSpPr/>
         <p:nvPr/>
       </p:nvGrpSpPr>
@@ -3742,7 +3319,7 @@
       </p:grpSpPr>
       <p:sp>
         <p:nvSpPr>
-          <p:cNvPr id="1048595" name="Title 1"/>
+          <p:cNvPr id="1048682" name="Title 1"/>
           <p:cNvSpPr>
             <a:spLocks noGrp="1"/>
           </p:cNvSpPr>
@@ -3775,14 +3352,14 @@
       </p:sp>
       <p:sp>
         <p:nvSpPr>
-          <p:cNvPr id="1048596" name=""/>
+          <p:cNvPr id="1048715" name=""/>
           <p:cNvSpPr txBox="1"/>
           <p:nvPr/>
         </p:nvSpPr>
         <p:spPr>
           <a:xfrm>
-            <a:off x="755332" y="2007037"/>
-            <a:ext cx="10397033" cy="3863340"/>
+            <a:off x="578166" y="1744474"/>
+            <a:ext cx="10858500" cy="3863339"/>
           </a:xfrm>
           <a:prstGeom prst="rect"/>
         </p:spPr>
@@ -3821,7 +3398,7 @@
   <p:cSld>
     <p:spTree>
       <p:nvGrpSpPr>
-        <p:cNvPr id="30" name=""/>
+        <p:cNvPr id="26" name=""/>
         <p:cNvGrpSpPr/>
         <p:nvPr/>
       </p:nvGrpSpPr>
@@ -3835,7 +3412,7 @@
       </p:grpSpPr>
       <p:sp>
         <p:nvSpPr>
-          <p:cNvPr id="1048630" name="object 2"/>
+          <p:cNvPr id="1048610" name="object 2"/>
           <p:cNvSpPr/>
           <p:nvPr/>
         </p:nvSpPr>
@@ -3885,7 +3462,7 @@
       </p:sp>
       <p:grpSp>
         <p:nvGrpSpPr>
-          <p:cNvPr id="31" name="object 3"/>
+          <p:cNvPr id="27" name="object 3"/>
           <p:cNvGrpSpPr/>
           <p:nvPr/>
         </p:nvGrpSpPr>
@@ -3899,7 +3476,7 @@
         </p:grpSpPr>
         <p:sp>
           <p:nvSpPr>
-            <p:cNvPr id="1048631" name="object 4"/>
+            <p:cNvPr id="1048611" name="object 4"/>
             <p:cNvSpPr/>
             <p:nvPr/>
           </p:nvSpPr>
@@ -3936,7 +3513,7 @@
         </p:sp>
         <p:sp>
           <p:nvSpPr>
-            <p:cNvPr id="1048632" name="object 5"/>
+            <p:cNvPr id="1048612" name="object 5"/>
             <p:cNvSpPr/>
             <p:nvPr/>
           </p:nvSpPr>
@@ -3973,7 +3550,7 @@
         </p:sp>
         <p:sp>
           <p:nvSpPr>
-            <p:cNvPr id="1048633" name="object 6"/>
+            <p:cNvPr id="1048613" name="object 6"/>
             <p:cNvSpPr/>
             <p:nvPr/>
           </p:nvSpPr>
@@ -4020,7 +3597,7 @@
         </p:sp>
         <p:sp>
           <p:nvSpPr>
-            <p:cNvPr id="1048634" name="object 7"/>
+            <p:cNvPr id="1048614" name="object 7"/>
             <p:cNvSpPr/>
             <p:nvPr/>
           </p:nvSpPr>
@@ -4067,7 +3644,7 @@
         </p:sp>
         <p:sp>
           <p:nvSpPr>
-            <p:cNvPr id="1048635" name="object 8"/>
+            <p:cNvPr id="1048615" name="object 8"/>
             <p:cNvSpPr/>
             <p:nvPr/>
           </p:nvSpPr>
@@ -4111,7 +3688,7 @@
         </p:sp>
         <p:sp>
           <p:nvSpPr>
-            <p:cNvPr id="1048636" name="object 9"/>
+            <p:cNvPr id="1048616" name="object 9"/>
             <p:cNvSpPr/>
             <p:nvPr/>
           </p:nvSpPr>
@@ -4158,7 +3735,7 @@
         </p:sp>
         <p:sp>
           <p:nvSpPr>
-            <p:cNvPr id="1048637" name="object 10"/>
+            <p:cNvPr id="1048617" name="object 10"/>
             <p:cNvSpPr/>
             <p:nvPr/>
           </p:nvSpPr>
@@ -4205,7 +3782,7 @@
         </p:sp>
         <p:sp>
           <p:nvSpPr>
-            <p:cNvPr id="1048638" name="object 11"/>
+            <p:cNvPr id="1048618" name="object 11"/>
             <p:cNvSpPr/>
             <p:nvPr/>
           </p:nvSpPr>
@@ -4252,7 +3829,7 @@
         </p:sp>
         <p:sp>
           <p:nvSpPr>
-            <p:cNvPr id="1048639" name="object 12"/>
+            <p:cNvPr id="1048619" name="object 12"/>
             <p:cNvSpPr/>
             <p:nvPr/>
           </p:nvSpPr>
@@ -4297,7 +3874,7 @@
       </p:grpSp>
       <p:sp>
         <p:nvSpPr>
-          <p:cNvPr id="1048640" name="object 13"/>
+          <p:cNvPr id="1048620" name="object 13"/>
           <p:cNvSpPr/>
           <p:nvPr/>
         </p:nvSpPr>
@@ -4341,7 +3918,7 @@
       </p:sp>
       <p:sp>
         <p:nvSpPr>
-          <p:cNvPr id="1048641" name="object 14"/>
+          <p:cNvPr id="1048621" name="object 14"/>
           <p:cNvSpPr/>
           <p:nvPr/>
         </p:nvSpPr>
@@ -4386,7 +3963,7 @@
       </p:sp>
       <p:sp>
         <p:nvSpPr>
-          <p:cNvPr id="1048642" name="object 15"/>
+          <p:cNvPr id="1048622" name="object 15"/>
           <p:cNvSpPr/>
           <p:nvPr/>
         </p:nvSpPr>
@@ -4431,7 +4008,7 @@
       </p:sp>
       <p:sp>
         <p:nvSpPr>
-          <p:cNvPr id="1048643" name="object 16"/>
+          <p:cNvPr id="1048623" name="object 16"/>
           <p:cNvSpPr/>
           <p:nvPr/>
         </p:nvSpPr>
@@ -4476,7 +4053,7 @@
       </p:sp>
       <p:sp>
         <p:nvSpPr>
-          <p:cNvPr id="1048644" name="object 17"/>
+          <p:cNvPr id="1048624" name="object 17"/>
           <p:cNvSpPr txBox="1">
             <a:spLocks noGrp="1"/>
           </p:cNvSpPr>
@@ -4522,7 +4099,7 @@
       </p:sp>
       <p:grpSp>
         <p:nvGrpSpPr>
-          <p:cNvPr id="32" name="object 18"/>
+          <p:cNvPr id="28" name="object 18"/>
           <p:cNvGrpSpPr/>
           <p:nvPr/>
         </p:nvGrpSpPr>
@@ -4536,7 +4113,7 @@
         </p:grpSpPr>
         <p:pic>
           <p:nvPicPr>
-            <p:cNvPr id="2097157" name="object 19"/>
+            <p:cNvPr id="2097153" name="object 19"/>
             <p:cNvPicPr>
               <a:picLocks/>
             </p:cNvPicPr>
@@ -4558,7 +4135,7 @@
         </p:pic>
         <p:pic>
           <p:nvPicPr>
-            <p:cNvPr id="2097158" name="object 20"/>
+            <p:cNvPr id="2097154" name="object 20"/>
             <p:cNvPicPr>
               <a:picLocks/>
             </p:cNvPicPr>
@@ -4581,7 +4158,7 @@
       </p:grpSp>
       <p:sp>
         <p:nvSpPr>
-          <p:cNvPr id="1048645" name="object 22"/>
+          <p:cNvPr id="1048625" name="object 22"/>
           <p:cNvSpPr txBox="1">
             <a:spLocks noGrp="1"/>
           </p:cNvSpPr>
@@ -4615,14 +4192,14 @@
       </p:sp>
       <p:sp>
         <p:nvSpPr>
-          <p:cNvPr id="1048646" name="TextBox 22"/>
+          <p:cNvPr id="1048626" name="TextBox 22"/>
           <p:cNvSpPr txBox="1"/>
           <p:nvPr/>
         </p:nvSpPr>
         <p:spPr>
           <a:xfrm>
-            <a:off x="680658" y="2123271"/>
-            <a:ext cx="9865706" cy="2072640"/>
+            <a:off x="1481598" y="2917347"/>
+            <a:ext cx="10428955" cy="2491740"/>
           </a:xfrm>
           <a:prstGeom prst="rect"/>
           <a:noFill/>
@@ -4680,6 +4257,15 @@
               </a:rPr>
               <a:t>                               Modelling</a:t>
             </a:r>
+            <a:endParaRPr dirty="0" sz="2800" lang="en-IN">
+              <a:solidFill>
+                <a:srgbClr val="7030A0"/>
+              </a:solidFill>
+              <a:latin typeface="Times New Roman" panose="02020603050405020304" pitchFamily="18" charset="0"/>
+              <a:cs typeface="Times New Roman" panose="02020603050405020304" pitchFamily="18" charset="0"/>
+            </a:endParaRPr>
+          </a:p>
+          <a:p>
             <a:endParaRPr dirty="0" sz="2800" lang="en-IN">
               <a:solidFill>
                 <a:srgbClr val="7030A0"/>
@@ -4703,7 +4289,7 @@
   <p:cSld>
     <p:spTree>
       <p:nvGrpSpPr>
-        <p:cNvPr id="33" name=""/>
+        <p:cNvPr id="29" name=""/>
         <p:cNvGrpSpPr/>
         <p:nvPr/>
       </p:nvGrpSpPr>
@@ -4717,7 +4303,7 @@
       </p:grpSpPr>
       <p:sp>
         <p:nvSpPr>
-          <p:cNvPr id="1048647" name="object 2"/>
+          <p:cNvPr id="1048627" name="object 2"/>
           <p:cNvSpPr/>
           <p:nvPr/>
         </p:nvSpPr>
@@ -4764,7 +4350,7 @@
       </p:sp>
       <p:grpSp>
         <p:nvGrpSpPr>
-          <p:cNvPr id="34" name="object 3"/>
+          <p:cNvPr id="30" name="object 3"/>
           <p:cNvGrpSpPr/>
           <p:nvPr/>
         </p:nvGrpSpPr>
@@ -4778,7 +4364,7 @@
         </p:grpSpPr>
         <p:sp>
           <p:nvSpPr>
-            <p:cNvPr id="1048648" name="object 4"/>
+            <p:cNvPr id="1048628" name="object 4"/>
             <p:cNvSpPr/>
             <p:nvPr/>
           </p:nvSpPr>
@@ -4815,7 +4401,7 @@
         </p:sp>
         <p:sp>
           <p:nvSpPr>
-            <p:cNvPr id="1048649" name="object 5"/>
+            <p:cNvPr id="1048629" name="object 5"/>
             <p:cNvSpPr/>
             <p:nvPr/>
           </p:nvSpPr>
@@ -4852,7 +4438,7 @@
         </p:sp>
         <p:sp>
           <p:nvSpPr>
-            <p:cNvPr id="1048650" name="object 6"/>
+            <p:cNvPr id="1048630" name="object 6"/>
             <p:cNvSpPr/>
             <p:nvPr/>
           </p:nvSpPr>
@@ -4899,7 +4485,7 @@
         </p:sp>
         <p:sp>
           <p:nvSpPr>
-            <p:cNvPr id="1048651" name="object 7"/>
+            <p:cNvPr id="1048631" name="object 7"/>
             <p:cNvSpPr/>
             <p:nvPr/>
           </p:nvSpPr>
@@ -4946,7 +4532,7 @@
         </p:sp>
         <p:sp>
           <p:nvSpPr>
-            <p:cNvPr id="1048652" name="object 8"/>
+            <p:cNvPr id="1048632" name="object 8"/>
             <p:cNvSpPr/>
             <p:nvPr/>
           </p:nvSpPr>
@@ -4990,7 +4576,7 @@
         </p:sp>
         <p:sp>
           <p:nvSpPr>
-            <p:cNvPr id="1048653" name="object 9"/>
+            <p:cNvPr id="1048633" name="object 9"/>
             <p:cNvSpPr/>
             <p:nvPr/>
           </p:nvSpPr>
@@ -5037,7 +4623,7 @@
         </p:sp>
         <p:sp>
           <p:nvSpPr>
-            <p:cNvPr id="1048654" name="object 10"/>
+            <p:cNvPr id="1048634" name="object 10"/>
             <p:cNvSpPr/>
             <p:nvPr/>
           </p:nvSpPr>
@@ -5084,7 +4670,7 @@
         </p:sp>
         <p:sp>
           <p:nvSpPr>
-            <p:cNvPr id="1048655" name="object 11"/>
+            <p:cNvPr id="1048635" name="object 11"/>
             <p:cNvSpPr/>
             <p:nvPr/>
           </p:nvSpPr>
@@ -5131,7 +4717,7 @@
         </p:sp>
         <p:sp>
           <p:nvSpPr>
-            <p:cNvPr id="1048656" name="object 12"/>
+            <p:cNvPr id="1048636" name="object 12"/>
             <p:cNvSpPr/>
             <p:nvPr/>
           </p:nvSpPr>
@@ -5176,7 +4762,7 @@
       </p:grpSp>
       <p:sp>
         <p:nvSpPr>
-          <p:cNvPr id="1048657" name="object 13"/>
+          <p:cNvPr id="1048637" name="object 13"/>
           <p:cNvSpPr/>
           <p:nvPr/>
         </p:nvSpPr>
@@ -5220,7 +4806,7 @@
       </p:sp>
       <p:sp>
         <p:nvSpPr>
-          <p:cNvPr id="1048658" name="object 14"/>
+          <p:cNvPr id="1048638" name="object 14"/>
           <p:cNvSpPr txBox="1"/>
           <p:nvPr/>
         </p:nvSpPr>
@@ -5390,7 +4976,7 @@
       </p:sp>
       <p:sp>
         <p:nvSpPr>
-          <p:cNvPr id="1048659" name="object 15"/>
+          <p:cNvPr id="1048639" name="object 15"/>
           <p:cNvSpPr/>
           <p:nvPr/>
         </p:nvSpPr>
@@ -5495,7 +5081,7 @@
       </p:sp>
       <p:sp>
         <p:nvSpPr>
-          <p:cNvPr id="1048660" name="object 16"/>
+          <p:cNvPr id="1048640" name="object 16"/>
           <p:cNvSpPr/>
           <p:nvPr/>
         </p:nvSpPr>
@@ -5660,7 +5246,7 @@
       </p:sp>
       <p:pic>
         <p:nvPicPr>
-          <p:cNvPr id="2097159" name="object 17"/>
+          <p:cNvPr id="2097155" name="object 17"/>
           <p:cNvPicPr>
             <a:picLocks/>
           </p:cNvPicPr>
@@ -5682,7 +5268,7 @@
       </p:pic>
       <p:grpSp>
         <p:nvGrpSpPr>
-          <p:cNvPr id="35" name="object 18"/>
+          <p:cNvPr id="31" name="object 18"/>
           <p:cNvGrpSpPr/>
           <p:nvPr/>
         </p:nvGrpSpPr>
@@ -5696,7 +5282,7 @@
         </p:grpSpPr>
         <p:pic>
           <p:nvPicPr>
-            <p:cNvPr id="2097160" name="object 19"/>
+            <p:cNvPr id="2097156" name="object 19"/>
             <p:cNvPicPr>
               <a:picLocks/>
             </p:cNvPicPr>
@@ -5718,7 +5304,7 @@
         </p:pic>
         <p:pic>
           <p:nvPicPr>
-            <p:cNvPr id="2097161" name="object 20"/>
+            <p:cNvPr id="2097157" name="object 20"/>
             <p:cNvPicPr>
               <a:picLocks/>
             </p:cNvPicPr>
@@ -5741,7 +5327,7 @@
       </p:grpSp>
       <p:sp>
         <p:nvSpPr>
-          <p:cNvPr id="1048661" name="object 21"/>
+          <p:cNvPr id="1048641" name="object 21"/>
           <p:cNvSpPr txBox="1">
             <a:spLocks noGrp="1"/>
           </p:cNvSpPr>
@@ -5794,7 +5380,7 @@
       </p:sp>
       <p:sp>
         <p:nvSpPr>
-          <p:cNvPr id="1048662" name="object 22"/>
+          <p:cNvPr id="1048642" name="object 22"/>
           <p:cNvSpPr txBox="1">
             <a:spLocks noGrp="1"/>
           </p:cNvSpPr>
@@ -5828,7 +5414,7 @@
       </p:sp>
       <p:sp>
         <p:nvSpPr>
-          <p:cNvPr id="1048663" name="TextBox 22"/>
+          <p:cNvPr id="1048643" name="TextBox 22"/>
           <p:cNvSpPr txBox="1"/>
           <p:nvPr/>
         </p:nvSpPr>
@@ -6037,7 +5623,7 @@
   <p:cSld>
     <p:spTree>
       <p:nvGrpSpPr>
-        <p:cNvPr id="36" name=""/>
+        <p:cNvPr id="32" name=""/>
         <p:cNvGrpSpPr/>
         <p:nvPr/>
       </p:nvGrpSpPr>
@@ -6051,7 +5637,7 @@
       </p:grpSpPr>
       <p:grpSp>
         <p:nvGrpSpPr>
-          <p:cNvPr id="37" name="object 2"/>
+          <p:cNvPr id="33" name="object 2"/>
           <p:cNvGrpSpPr/>
           <p:nvPr/>
         </p:nvGrpSpPr>
@@ -6065,7 +5651,7 @@
         </p:grpSpPr>
         <p:sp>
           <p:nvSpPr>
-            <p:cNvPr id="1048664" name="object 3"/>
+            <p:cNvPr id="1048644" name="object 3"/>
             <p:cNvSpPr/>
             <p:nvPr/>
           </p:nvSpPr>
@@ -6110,7 +5696,7 @@
         </p:sp>
         <p:sp>
           <p:nvSpPr>
-            <p:cNvPr id="1048665" name="object 4"/>
+            <p:cNvPr id="1048645" name="object 4"/>
             <p:cNvSpPr/>
             <p:nvPr/>
           </p:nvSpPr>
@@ -6155,7 +5741,7 @@
         </p:sp>
         <p:pic>
           <p:nvPicPr>
-            <p:cNvPr id="2097162" name="object 5"/>
+            <p:cNvPr id="2097158" name="object 5"/>
             <p:cNvPicPr>
               <a:picLocks/>
             </p:cNvPicPr>
@@ -6178,7 +5764,7 @@
       </p:grpSp>
       <p:sp>
         <p:nvSpPr>
-          <p:cNvPr id="1048666" name="object 6"/>
+          <p:cNvPr id="1048646" name="object 6"/>
           <p:cNvSpPr/>
           <p:nvPr/>
         </p:nvSpPr>
@@ -6223,7 +5809,7 @@
       </p:sp>
       <p:sp>
         <p:nvSpPr>
-          <p:cNvPr id="1048667" name="object 7"/>
+          <p:cNvPr id="1048647" name="object 7"/>
           <p:cNvSpPr txBox="1">
             <a:spLocks noGrp="1"/>
           </p:cNvSpPr>
@@ -6312,7 +5898,7 @@
       </p:sp>
       <p:pic>
         <p:nvPicPr>
-          <p:cNvPr id="2097163" name="object 8"/>
+          <p:cNvPr id="2097159" name="object 8"/>
           <p:cNvPicPr>
             <a:picLocks/>
           </p:cNvPicPr>
@@ -6334,7 +5920,7 @@
       </p:pic>
       <p:sp>
         <p:nvSpPr>
-          <p:cNvPr id="1048668" name="object 10"/>
+          <p:cNvPr id="1048648" name="object 10"/>
           <p:cNvSpPr txBox="1">
             <a:spLocks noGrp="1"/>
           </p:cNvSpPr>
@@ -6368,14 +5954,14 @@
       </p:sp>
       <p:sp>
         <p:nvSpPr>
-          <p:cNvPr id="1048669" name=""/>
+          <p:cNvPr id="1048708" name=""/>
           <p:cNvSpPr txBox="1"/>
           <p:nvPr/>
         </p:nvSpPr>
         <p:spPr>
-          <a:xfrm>
-            <a:off x="538594" y="1857375"/>
-            <a:ext cx="8814955" cy="5120639"/>
+          <a:xfrm rot="3156">
+            <a:off x="923919" y="1699527"/>
+            <a:ext cx="8884290" cy="5539740"/>
           </a:xfrm>
           <a:prstGeom prst="rect"/>
         </p:spPr>
@@ -6419,7 +6005,7 @@
   <p:cSld>
     <p:spTree>
       <p:nvGrpSpPr>
-        <p:cNvPr id="38" name=""/>
+        <p:cNvPr id="34" name=""/>
         <p:cNvGrpSpPr/>
         <p:nvPr/>
       </p:nvGrpSpPr>
@@ -6433,7 +6019,7 @@
       </p:grpSpPr>
       <p:grpSp>
         <p:nvGrpSpPr>
-          <p:cNvPr id="39" name="object 2"/>
+          <p:cNvPr id="35" name="object 2"/>
           <p:cNvGrpSpPr/>
           <p:nvPr/>
         </p:nvGrpSpPr>
@@ -6447,7 +6033,7 @@
         </p:grpSpPr>
         <p:sp>
           <p:nvSpPr>
-            <p:cNvPr id="1048670" name="object 3"/>
+            <p:cNvPr id="1048649" name="object 3"/>
             <p:cNvSpPr/>
             <p:nvPr/>
           </p:nvSpPr>
@@ -6492,7 +6078,7 @@
         </p:sp>
         <p:sp>
           <p:nvSpPr>
-            <p:cNvPr id="1048671" name="object 4"/>
+            <p:cNvPr id="1048650" name="object 4"/>
             <p:cNvSpPr/>
             <p:nvPr/>
           </p:nvSpPr>
@@ -6537,7 +6123,7 @@
         </p:sp>
         <p:pic>
           <p:nvPicPr>
-            <p:cNvPr id="2097164" name="object 5"/>
+            <p:cNvPr id="2097160" name="object 5"/>
             <p:cNvPicPr>
               <a:picLocks/>
             </p:cNvPicPr>
@@ -6560,7 +6146,7 @@
       </p:grpSp>
       <p:sp>
         <p:nvSpPr>
-          <p:cNvPr id="1048672" name="object 6"/>
+          <p:cNvPr id="1048651" name="object 6"/>
           <p:cNvSpPr/>
           <p:nvPr/>
         </p:nvSpPr>
@@ -6605,7 +6191,7 @@
       </p:sp>
       <p:sp>
         <p:nvSpPr>
-          <p:cNvPr id="1048673" name="object 7"/>
+          <p:cNvPr id="1048652" name="object 7"/>
           <p:cNvSpPr txBox="1">
             <a:spLocks noGrp="1"/>
           </p:cNvSpPr>
@@ -6650,7 +6236,7 @@
       </p:sp>
       <p:pic>
         <p:nvPicPr>
-          <p:cNvPr id="2097165" name="object 8"/>
+          <p:cNvPr id="2097161" name="object 8"/>
           <p:cNvPicPr>
             <a:picLocks/>
           </p:cNvPicPr>
@@ -6672,7 +6258,7 @@
       </p:pic>
       <p:sp>
         <p:nvSpPr>
-          <p:cNvPr id="1048674" name="object 10"/>
+          <p:cNvPr id="1048653" name="object 10"/>
           <p:cNvSpPr txBox="1">
             <a:spLocks noGrp="1"/>
           </p:cNvSpPr>
@@ -6706,7 +6292,7 @@
       </p:sp>
       <p:sp>
         <p:nvSpPr>
-          <p:cNvPr id="1048675" name="TextBox 10"/>
+          <p:cNvPr id="1048654" name="TextBox 10"/>
           <p:cNvSpPr txBox="1"/>
           <p:nvPr/>
         </p:nvSpPr>
@@ -6749,14 +6335,14 @@
       </p:sp>
       <p:sp>
         <p:nvSpPr>
-          <p:cNvPr id="1048676" name=""/>
+          <p:cNvPr id="1048709" name=""/>
           <p:cNvSpPr txBox="1"/>
           <p:nvPr/>
         </p:nvSpPr>
         <p:spPr>
           <a:xfrm>
-            <a:off x="1747836" y="2246313"/>
-            <a:ext cx="6355917" cy="2606040"/>
+            <a:off x="1084984" y="2133599"/>
+            <a:ext cx="6023271" cy="3025140"/>
           </a:xfrm>
           <a:prstGeom prst="rect"/>
         </p:spPr>
@@ -6799,7 +6385,7 @@
   <p:cSld>
     <p:spTree>
       <p:nvGrpSpPr>
-        <p:cNvPr id="40" name=""/>
+        <p:cNvPr id="36" name=""/>
         <p:cNvGrpSpPr/>
         <p:nvPr/>
       </p:nvGrpSpPr>
@@ -6813,7 +6399,7 @@
       </p:grpSpPr>
       <p:sp>
         <p:nvSpPr>
-          <p:cNvPr id="1048677" name="object 2"/>
+          <p:cNvPr id="1048655" name="object 2"/>
           <p:cNvSpPr/>
           <p:nvPr/>
         </p:nvSpPr>
@@ -6858,7 +6444,7 @@
       </p:sp>
       <p:sp>
         <p:nvSpPr>
-          <p:cNvPr id="1048678" name="object 3"/>
+          <p:cNvPr id="1048656" name="object 3"/>
           <p:cNvSpPr/>
           <p:nvPr/>
         </p:nvSpPr>
@@ -6903,7 +6489,7 @@
       </p:sp>
       <p:sp>
         <p:nvSpPr>
-          <p:cNvPr id="1048679" name="object 4"/>
+          <p:cNvPr id="1048657" name="object 4"/>
           <p:cNvSpPr/>
           <p:nvPr/>
         </p:nvSpPr>
@@ -6948,7 +6534,7 @@
       </p:sp>
       <p:sp>
         <p:nvSpPr>
-          <p:cNvPr id="1048680" name="object 5"/>
+          <p:cNvPr id="1048658" name="object 5"/>
           <p:cNvSpPr txBox="1">
             <a:spLocks noGrp="1"/>
           </p:cNvSpPr>
@@ -7062,7 +6648,7 @@
       </p:sp>
       <p:pic>
         <p:nvPicPr>
-          <p:cNvPr id="2097166" name="object 6"/>
+          <p:cNvPr id="2097162" name="object 6"/>
           <p:cNvPicPr>
             <a:picLocks/>
           </p:cNvPicPr>
@@ -7084,7 +6670,7 @@
       </p:pic>
       <p:sp>
         <p:nvSpPr>
-          <p:cNvPr id="1048681" name="object 8"/>
+          <p:cNvPr id="1048659" name="object 8"/>
           <p:cNvSpPr txBox="1">
             <a:spLocks noGrp="1"/>
           </p:cNvSpPr>
@@ -7118,14 +6704,14 @@
       </p:sp>
       <p:sp>
         <p:nvSpPr>
-          <p:cNvPr id="1048682" name=""/>
+          <p:cNvPr id="1048710" name=""/>
           <p:cNvSpPr txBox="1"/>
           <p:nvPr/>
         </p:nvSpPr>
         <p:spPr>
           <a:xfrm>
-            <a:off x="1323131" y="2032635"/>
-            <a:ext cx="5372943" cy="3863340"/>
+            <a:off x="1021771" y="2132647"/>
+            <a:ext cx="7083136" cy="4282440"/>
           </a:xfrm>
           <a:prstGeom prst="rect"/>
         </p:spPr>
@@ -7171,7 +6757,7 @@
   <p:cSld>
     <p:spTree>
       <p:nvGrpSpPr>
-        <p:cNvPr id="41" name=""/>
+        <p:cNvPr id="37" name=""/>
         <p:cNvGrpSpPr/>
         <p:nvPr/>
       </p:nvGrpSpPr>
@@ -7185,7 +6771,7 @@
       </p:grpSpPr>
       <p:pic>
         <p:nvPicPr>
-          <p:cNvPr id="2097167" name="object 2"/>
+          <p:cNvPr id="2097163" name="object 2"/>
           <p:cNvPicPr>
             <a:picLocks/>
           </p:cNvPicPr>
@@ -7207,7 +6793,7 @@
       </p:pic>
       <p:sp>
         <p:nvSpPr>
-          <p:cNvPr id="1048683" name="object 3"/>
+          <p:cNvPr id="1048660" name="object 3"/>
           <p:cNvSpPr/>
           <p:nvPr/>
         </p:nvSpPr>
@@ -7252,7 +6838,7 @@
       </p:sp>
       <p:sp>
         <p:nvSpPr>
-          <p:cNvPr id="1048684" name="object 4"/>
+          <p:cNvPr id="1048661" name="object 4"/>
           <p:cNvSpPr/>
           <p:nvPr/>
         </p:nvSpPr>
@@ -7297,7 +6883,7 @@
       </p:sp>
       <p:sp>
         <p:nvSpPr>
-          <p:cNvPr id="1048685" name="object 5"/>
+          <p:cNvPr id="1048662" name="object 5"/>
           <p:cNvSpPr/>
           <p:nvPr/>
         </p:nvSpPr>
@@ -7342,7 +6928,7 @@
       </p:sp>
       <p:sp>
         <p:nvSpPr>
-          <p:cNvPr id="1048686" name="object 6"/>
+          <p:cNvPr id="1048663" name="object 6"/>
           <p:cNvSpPr txBox="1">
             <a:spLocks noGrp="1"/>
           </p:cNvSpPr>
@@ -7519,7 +7105,7 @@
       </p:sp>
       <p:pic>
         <p:nvPicPr>
-          <p:cNvPr id="2097168" name="object 7"/>
+          <p:cNvPr id="2097164" name="object 7"/>
           <p:cNvPicPr>
             <a:picLocks/>
           </p:cNvPicPr>
@@ -7541,7 +7127,7 @@
       </p:pic>
       <p:sp>
         <p:nvSpPr>
-          <p:cNvPr id="1048687" name="object 9"/>
+          <p:cNvPr id="1048664" name="object 9"/>
           <p:cNvSpPr txBox="1">
             <a:spLocks noGrp="1"/>
           </p:cNvSpPr>
@@ -7575,14 +7161,14 @@
       </p:sp>
       <p:sp>
         <p:nvSpPr>
-          <p:cNvPr id="1048688" name=""/>
+          <p:cNvPr id="1048711" name=""/>
           <p:cNvSpPr txBox="1"/>
           <p:nvPr/>
         </p:nvSpPr>
         <p:spPr>
           <a:xfrm>
-            <a:off x="1001924" y="1546859"/>
-            <a:ext cx="10488050" cy="5120640"/>
+            <a:off x="718704" y="2019300"/>
+            <a:ext cx="10754590" cy="5120641"/>
           </a:xfrm>
           <a:prstGeom prst="rect"/>
         </p:spPr>
@@ -7621,7 +7207,7 @@
   <p:cSld>
     <p:spTree>
       <p:nvGrpSpPr>
-        <p:cNvPr id="42" name=""/>
+        <p:cNvPr id="38" name=""/>
         <p:cNvGrpSpPr/>
         <p:nvPr/>
       </p:nvGrpSpPr>
@@ -7635,7 +7221,7 @@
       </p:grpSpPr>
       <p:sp>
         <p:nvSpPr>
-          <p:cNvPr id="1048689" name="Title 1"/>
+          <p:cNvPr id="1048665" name="Title 1"/>
           <p:cNvSpPr>
             <a:spLocks noGrp="1"/>
           </p:cNvSpPr>
@@ -7661,14 +7247,14 @@
       </p:sp>
       <p:sp>
         <p:nvSpPr>
-          <p:cNvPr id="1048690" name=""/>
+          <p:cNvPr id="1048712" name=""/>
           <p:cNvSpPr txBox="1"/>
           <p:nvPr/>
         </p:nvSpPr>
         <p:spPr>
           <a:xfrm>
-            <a:off x="942990" y="1109344"/>
-            <a:ext cx="10306018" cy="5539739"/>
+            <a:off x="450270" y="1109344"/>
+            <a:ext cx="10598728" cy="5958839"/>
           </a:xfrm>
           <a:prstGeom prst="rect"/>
         </p:spPr>
@@ -7713,7 +7299,7 @@
   <p:cSld>
     <p:spTree>
       <p:nvGrpSpPr>
-        <p:cNvPr id="25" name=""/>
+        <p:cNvPr id="39" name=""/>
         <p:cNvGrpSpPr/>
         <p:nvPr/>
       </p:nvGrpSpPr>
@@ -7727,7 +7313,7 @@
       </p:grpSpPr>
       <p:sp>
         <p:nvSpPr>
-          <p:cNvPr id="1048612" name="object 2"/>
+          <p:cNvPr id="1048666" name="object 2"/>
           <p:cNvSpPr txBox="1"/>
           <p:nvPr/>
         </p:nvSpPr>
@@ -7897,7 +7483,7 @@
       </p:sp>
       <p:sp>
         <p:nvSpPr>
-          <p:cNvPr id="1048613" name="object 3"/>
+          <p:cNvPr id="1048667" name="object 3"/>
           <p:cNvSpPr/>
           <p:nvPr/>
         </p:nvSpPr>
@@ -7942,7 +7528,7 @@
       </p:sp>
       <p:sp>
         <p:nvSpPr>
-          <p:cNvPr id="1048614" name="object 4"/>
+          <p:cNvPr id="1048668" name="object 4"/>
           <p:cNvSpPr/>
           <p:nvPr/>
         </p:nvSpPr>
@@ -7987,7 +7573,7 @@
       </p:sp>
       <p:sp>
         <p:nvSpPr>
-          <p:cNvPr id="1048615" name="object 5"/>
+          <p:cNvPr id="1048669" name="object 5"/>
           <p:cNvSpPr/>
           <p:nvPr/>
         </p:nvSpPr>
@@ -8032,7 +7618,7 @@
       </p:sp>
       <p:pic>
         <p:nvPicPr>
-          <p:cNvPr id="2097155" name="object 6"/>
+          <p:cNvPr id="2097165" name="object 6"/>
           <p:cNvPicPr>
             <a:picLocks/>
           </p:cNvPicPr>
@@ -8054,7 +7640,7 @@
       </p:pic>
       <p:sp>
         <p:nvSpPr>
-          <p:cNvPr id="1048616" name="object 7"/>
+          <p:cNvPr id="1048670" name="object 7"/>
           <p:cNvSpPr txBox="1">
             <a:spLocks noGrp="1"/>
           </p:cNvSpPr>
@@ -8132,7 +7718,7 @@
       </p:sp>
       <p:sp>
         <p:nvSpPr>
-          <p:cNvPr id="1048617" name="object 8"/>
+          <p:cNvPr id="1048671" name="object 8"/>
           <p:cNvSpPr txBox="1"/>
           <p:nvPr/>
         </p:nvSpPr>
@@ -8175,7 +7761,7 @@
       </p:sp>
       <p:sp>
         <p:nvSpPr>
-          <p:cNvPr id="1048618" name="TextBox 8"/>
+          <p:cNvPr id="1048672" name="TextBox 8"/>
           <p:cNvSpPr txBox="1"/>
           <p:nvPr/>
         </p:nvSpPr>
@@ -8215,14 +7801,14 @@
       </p:sp>
       <p:sp>
         <p:nvSpPr>
-          <p:cNvPr id="1048619" name=""/>
+          <p:cNvPr id="1048713" name=""/>
           <p:cNvSpPr txBox="1"/>
           <p:nvPr/>
         </p:nvSpPr>
         <p:spPr>
           <a:xfrm>
-            <a:off x="2533650" y="1695450"/>
-            <a:ext cx="8940776" cy="4701540"/>
+            <a:off x="2213263" y="1695450"/>
+            <a:ext cx="9594273" cy="5120640"/>
           </a:xfrm>
           <a:prstGeom prst="rect"/>
         </p:spPr>
